--- a/Presentation/WP7_UnitTesting_Tips_And_Tricks.pptx
+++ b/Presentation/WP7_UnitTesting_Tips_And_Tricks.pptx
@@ -258,7 +258,7 @@
               <a:pPr>
                 <a:defRPr/>
               </a:pPr>
-              <a:t>12/08/2012</a:t>
+              <a:t>15/08/2012</a:t>
             </a:fld>
             <a:endParaRPr lang="en-GB"/>
           </a:p>
@@ -1591,7 +1591,7 @@
               <a:pPr>
                 <a:defRPr/>
               </a:pPr>
-              <a:t>12/08/2012</a:t>
+              <a:t>15/08/2012</a:t>
             </a:fld>
             <a:endParaRPr lang="en-GB" dirty="0"/>
           </a:p>
@@ -1803,7 +1803,7 @@
               <a:pPr>
                 <a:defRPr/>
               </a:pPr>
-              <a:t>12/08/2012</a:t>
+              <a:t>15/08/2012</a:t>
             </a:fld>
             <a:endParaRPr lang="en-GB" dirty="0"/>
           </a:p>
@@ -2004,7 +2004,7 @@
               <a:pPr>
                 <a:defRPr/>
               </a:pPr>
-              <a:t>12/08/2012</a:t>
+              <a:t>15/08/2012</a:t>
             </a:fld>
             <a:endParaRPr lang="en-GB" dirty="0"/>
           </a:p>
@@ -2170,7 +2170,7 @@
               <a:pPr>
                 <a:defRPr/>
               </a:pPr>
-              <a:t>12/08/2012</a:t>
+              <a:t>15/08/2012</a:t>
             </a:fld>
             <a:endParaRPr lang="en-GB" dirty="0"/>
           </a:p>
@@ -2441,7 +2441,7 @@
               <a:pPr>
                 <a:defRPr/>
               </a:pPr>
-              <a:t>12/08/2012</a:t>
+              <a:t>15/08/2012</a:t>
             </a:fld>
             <a:endParaRPr lang="en-GB" dirty="0"/>
           </a:p>
@@ -2866,7 +2866,7 @@
               <a:pPr>
                 <a:defRPr/>
               </a:pPr>
-              <a:t>12/08/2012</a:t>
+              <a:t>15/08/2012</a:t>
             </a:fld>
             <a:endParaRPr lang="en-GB" dirty="0"/>
           </a:p>
@@ -3328,7 +3328,7 @@
               <a:pPr>
                 <a:defRPr/>
               </a:pPr>
-              <a:t>12/08/2012</a:t>
+              <a:t>15/08/2012</a:t>
             </a:fld>
             <a:endParaRPr lang="en-GB" dirty="0"/>
           </a:p>
@@ -3445,7 +3445,7 @@
               <a:pPr>
                 <a:defRPr/>
               </a:pPr>
-              <a:t>12/08/2012</a:t>
+              <a:t>15/08/2012</a:t>
             </a:fld>
             <a:endParaRPr lang="en-GB" dirty="0"/>
           </a:p>
@@ -3582,7 +3582,7 @@
               <a:pPr>
                 <a:defRPr/>
               </a:pPr>
-              <a:t>12/08/2012</a:t>
+              <a:t>15/08/2012</a:t>
             </a:fld>
             <a:endParaRPr lang="en-GB" dirty="0"/>
           </a:p>
@@ -3872,7 +3872,7 @@
               <a:pPr>
                 <a:defRPr/>
               </a:pPr>
-              <a:t>12/08/2012</a:t>
+              <a:t>15/08/2012</a:t>
             </a:fld>
             <a:endParaRPr lang="en-GB" dirty="0"/>
           </a:p>
@@ -4093,7 +4093,7 @@
               <a:pPr>
                 <a:defRPr/>
               </a:pPr>
-              <a:t>12/08/2012</a:t>
+              <a:t>15/08/2012</a:t>
             </a:fld>
             <a:endParaRPr lang="en-GB" dirty="0"/>
           </a:p>
@@ -5218,7 +5218,7 @@
               <a:pPr>
                 <a:defRPr/>
               </a:pPr>
-              <a:t>12/08/2012</a:t>
+              <a:t>15/08/2012</a:t>
             </a:fld>
             <a:endParaRPr lang="en-GB" dirty="0"/>
           </a:p>
@@ -5725,14 +5725,6 @@
               </a:rPr>
               <a:t>MOBILE DEVELOPER DAY</a:t>
             </a:r>
-            <a:endParaRPr lang="en-GB" sz="2000" dirty="0" smtClean="0">
-              <a:solidFill>
-                <a:srgbClr val="213024"/>
-              </a:solidFill>
-              <a:latin typeface="Univers Condensed"/>
-              <a:ea typeface="Calibri" pitchFamily="34" charset="0"/>
-              <a:cs typeface="Times New Roman" pitchFamily="18" charset="0"/>
-            </a:endParaRPr>
           </a:p>
           <a:p>
             <a:pPr algn="l"/>
@@ -5789,27 +5781,8 @@
                 <a:ea typeface="Calibri" pitchFamily="34" charset="0"/>
                 <a:cs typeface="Times New Roman" pitchFamily="18" charset="0"/>
               </a:rPr>
-              <a:t>, </a:t>
-            </a:r>
-            <a:r>
-              <a:rPr lang="en-GB" sz="1400" dirty="0" smtClean="0">
-                <a:solidFill>
-                  <a:srgbClr val="9CA69E"/>
-                </a:solidFill>
-                <a:latin typeface="Univers Condensed"/>
-                <a:ea typeface="Calibri" pitchFamily="34" charset="0"/>
-                <a:cs typeface="Times New Roman" pitchFamily="18" charset="0"/>
-              </a:rPr>
-              <a:t>2012</a:t>
-            </a:r>
-            <a:endParaRPr lang="en-GB" sz="1400" dirty="0" smtClean="0">
-              <a:solidFill>
-                <a:srgbClr val="9CA69E"/>
-              </a:solidFill>
-              <a:latin typeface="Univers Condensed"/>
-              <a:ea typeface="Calibri" pitchFamily="34" charset="0"/>
-              <a:cs typeface="Times New Roman" pitchFamily="18" charset="0"/>
-            </a:endParaRPr>
+              <a:t>, 2012</a:t>
+            </a:r>
           </a:p>
         </p:txBody>
       </p:sp>
@@ -5864,13 +5837,13 @@
               <a:defRPr/>
             </a:pPr>
             <a:fld id="{436F0622-8894-4225-9EED-93D87D3C9924}" type="slidenum">
-              <a:rPr lang="en-US"/>
+              <a:rPr lang="en-US" smtClean="0"/>
               <a:pPr>
                 <a:defRPr/>
               </a:pPr>
               <a:t>10</a:t>
             </a:fld>
-            <a:endParaRPr lang="en-US"/>
+            <a:endParaRPr lang="en-US" dirty="0"/>
           </a:p>
         </p:txBody>
       </p:sp>
@@ -5895,44 +5868,17 @@
           <a:lstStyle/>
           <a:p>
             <a:r>
-              <a:rPr lang="en-US" smtClean="0"/>
-              <a:t>Thank you for attending.</a:t>
-            </a:r>
-          </a:p>
-        </p:txBody>
-      </p:sp>
-      <p:pic>
-        <p:nvPicPr>
-          <p:cNvPr id="12292" name="Picture 3"/>
-          <p:cNvPicPr>
-            <a:picLocks noChangeAspect="1"/>
-          </p:cNvPicPr>
-          <p:nvPr/>
-        </p:nvPicPr>
-        <p:blipFill>
-          <a:blip r:embed="rId2" cstate="print"/>
-          <a:srcRect/>
-          <a:stretch>
-            <a:fillRect/>
-          </a:stretch>
-        </p:blipFill>
-        <p:spPr bwMode="auto">
-          <a:xfrm>
-            <a:off x="323850" y="268288"/>
-            <a:ext cx="1666875" cy="257175"/>
-          </a:xfrm>
-          <a:prstGeom prst="rect">
-            <a:avLst/>
-          </a:prstGeom>
-          <a:noFill/>
-          <a:ln w="9525">
-            <a:noFill/>
-            <a:miter lim="800000"/>
-            <a:headEnd/>
-            <a:tailEnd/>
-          </a:ln>
-        </p:spPr>
-      </p:pic>
+              <a:rPr lang="ru-RU" dirty="0" smtClean="0"/>
+              <a:t>Спасибо за внимание</a:t>
+            </a:r>
+            <a:r>
+              <a:rPr lang="en-US" dirty="0" smtClean="0"/>
+              <a:t>.</a:t>
+            </a:r>
+            <a:endParaRPr lang="en-US" dirty="0" smtClean="0"/>
+          </a:p>
+        </p:txBody>
+      </p:sp>
       <p:pic>
         <p:nvPicPr>
           <p:cNvPr id="12293" name="Picture 2" descr="D:\Projects\Web\GoodcatTrainings\Assets\Trainings_big.png"/>
@@ -5942,7 +5888,7 @@
           <p:nvPr/>
         </p:nvPicPr>
         <p:blipFill>
-          <a:blip r:embed="rId3" cstate="print"/>
+          <a:blip r:embed="rId2" cstate="print"/>
           <a:srcRect/>
           <a:stretch>
             <a:fillRect/>
@@ -5967,119 +5913,107 @@
       </p:pic>
       <p:sp>
         <p:nvSpPr>
-          <p:cNvPr id="7" name="Titel 1"/>
-          <p:cNvSpPr txBox="1">
-            <a:spLocks/>
-          </p:cNvSpPr>
-          <p:nvPr/>
+          <p:cNvPr id="10" name="Inhaltsplatzhalter 2"/>
+          <p:cNvSpPr>
+            <a:spLocks noGrp="1"/>
+          </p:cNvSpPr>
+          <p:nvPr>
+            <p:ph idx="1"/>
+          </p:nvPr>
         </p:nvSpPr>
         <p:spPr>
           <a:xfrm>
-            <a:off x="457200" y="5238750"/>
-            <a:ext cx="8229600" cy="1143000"/>
+            <a:off x="4139952" y="4365104"/>
+            <a:ext cx="4752528" cy="2043633"/>
           </a:xfrm>
-          <a:prstGeom prst="rect">
-            <a:avLst/>
-          </a:prstGeom>
         </p:spPr>
         <p:txBody>
-          <a:bodyPr anchor="ctr">
+          <a:bodyPr rtlCol="0">
             <a:normAutofit fontScale="92500" lnSpcReduction="10000"/>
           </a:bodyPr>
-          <a:lstStyle>
-            <a:lvl1pPr algn="ctr" defTabSz="914400" rtl="0" eaLnBrk="1" latinLnBrk="0" hangingPunct="1">
-              <a:spcBef>
-                <a:spcPct val="0"/>
-              </a:spcBef>
-              <a:buNone/>
-              <a:defRPr sz="4400" kern="1200">
-                <a:solidFill>
-                  <a:schemeClr val="tx1"/>
-                </a:solidFill>
-                <a:latin typeface="+mj-lt"/>
-                <a:ea typeface="+mj-ea"/>
-                <a:cs typeface="+mj-cs"/>
-              </a:defRPr>
-            </a:lvl1pPr>
-          </a:lstStyle>
-          <a:p>
-            <a:pPr fontAlgn="auto">
+          <a:lstStyle/>
+          <a:p>
+            <a:pPr marL="0" indent="0" fontAlgn="auto">
               <a:spcAft>
                 <a:spcPts val="0"/>
               </a:spcAft>
-              <a:defRPr/>
-            </a:pPr>
-            <a:r>
-              <a:rPr lang="en-US" sz="2600" dirty="0" smtClean="0"/>
-              <a:t>Feel free to contact me on Twitter (@</a:t>
-            </a:r>
-            <a:r>
-              <a:rPr lang="en-US" sz="2600" dirty="0" err="1" smtClean="0"/>
-              <a:t>Mister_Goodcat</a:t>
-            </a:r>
-            <a:r>
-              <a:rPr lang="en-US" sz="2600" dirty="0" smtClean="0"/>
-              <a:t>)</a:t>
-            </a:r>
-          </a:p>
-          <a:p>
-            <a:pPr fontAlgn="auto">
+              <a:buFont typeface="Arial" pitchFamily="34" charset="0"/>
+              <a:buNone/>
+              <a:defRPr/>
+            </a:pPr>
+            <a:r>
+              <a:rPr lang="ru-RU" b="1" dirty="0" smtClean="0"/>
+              <a:t>Контакты</a:t>
+            </a:r>
+          </a:p>
+          <a:p>
+            <a:pPr marL="0" indent="0" fontAlgn="auto">
               <a:spcAft>
                 <a:spcPts val="0"/>
               </a:spcAft>
-              <a:defRPr/>
-            </a:pPr>
-            <a:r>
-              <a:rPr lang="en-US" sz="2600" dirty="0" smtClean="0"/>
-              <a:t>or through my blog (</a:t>
-            </a:r>
-            <a:r>
-              <a:rPr lang="en-US" sz="2600" dirty="0" smtClean="0">
-                <a:hlinkClick r:id="rId4"/>
+              <a:buFont typeface="Arial" pitchFamily="34" charset="0"/>
+              <a:buNone/>
+              <a:defRPr/>
+            </a:pPr>
+            <a:r>
+              <a:rPr lang="en-US" dirty="0" smtClean="0"/>
+              <a:t>Email: </a:t>
+            </a:r>
+            <a:r>
+              <a:rPr lang="en-US" dirty="0" smtClean="0">
+                <a:hlinkClick r:id="rId3"/>
               </a:rPr>
-              <a:t>http://www.pitorque.de/MisterGoodcat</a:t>
-            </a:r>
-            <a:r>
-              <a:rPr lang="en-US" sz="2600" dirty="0" smtClean="0"/>
-              <a:t>)</a:t>
-            </a:r>
-            <a:endParaRPr lang="en-US" sz="2600" dirty="0"/>
-          </a:p>
-        </p:txBody>
-      </p:sp>
-      <p:sp>
-        <p:nvSpPr>
-          <p:cNvPr id="12295" name="Titel 1"/>
-          <p:cNvSpPr txBox="1">
-            <a:spLocks/>
-          </p:cNvSpPr>
-          <p:nvPr/>
-        </p:nvSpPr>
-        <p:spPr bwMode="auto">
-          <a:xfrm>
-            <a:off x="449263" y="1916113"/>
-            <a:ext cx="8229600" cy="1143000"/>
-          </a:xfrm>
-          <a:prstGeom prst="rect">
-            <a:avLst/>
-          </a:prstGeom>
-          <a:noFill/>
-          <a:ln w="9525">
-            <a:noFill/>
-            <a:miter lim="800000"/>
-            <a:headEnd/>
-            <a:tailEnd/>
-          </a:ln>
-        </p:spPr>
-        <p:txBody>
-          <a:bodyPr anchor="ctr"/>
-          <a:lstStyle/>
-          <a:p>
-            <a:pPr algn="ctr"/>
-            <a:r>
-              <a:rPr lang="en-US" sz="2000"/>
-              <a:t>Please leave your feedback in the survey displayed after the webinar.</a:t>
-            </a:r>
+              <a:t>lubushyn@gmail.com</a:t>
+            </a:r>
+            <a:endParaRPr lang="en-US" dirty="0" smtClean="0"/>
+          </a:p>
+          <a:p>
+            <a:pPr marL="0" indent="0" fontAlgn="auto">
+              <a:spcAft>
+                <a:spcPts val="0"/>
+              </a:spcAft>
+              <a:buFont typeface="Arial" pitchFamily="34" charset="0"/>
+              <a:buNone/>
+              <a:defRPr/>
+            </a:pPr>
+            <a:r>
+              <a:rPr lang="en-US" dirty="0" err="1" smtClean="0"/>
+              <a:t>Skype:lubushyn</a:t>
+            </a:r>
+            <a:endParaRPr lang="en-US" dirty="0" smtClean="0"/>
+          </a:p>
+          <a:p>
+            <a:pPr marL="0" indent="0" fontAlgn="auto">
+              <a:spcAft>
+                <a:spcPts val="0"/>
+              </a:spcAft>
+              <a:buFont typeface="Arial" pitchFamily="34" charset="0"/>
+              <a:buNone/>
+              <a:defRPr/>
+            </a:pPr>
+            <a:r>
+              <a:rPr lang="en-US" dirty="0" err="1" smtClean="0"/>
+              <a:t>Twitter:lubushyn</a:t>
+            </a:r>
+            <a:r>
+              <a:rPr lang="en-US" dirty="0" smtClean="0"/>
+              <a:t/>
+            </a:r>
+            <a:br>
+              <a:rPr lang="en-US" dirty="0" smtClean="0"/>
+            </a:br>
+            <a:endParaRPr lang="en-US" dirty="0"/>
+          </a:p>
+          <a:p>
+            <a:pPr marL="0" indent="0" fontAlgn="auto">
+              <a:spcAft>
+                <a:spcPts val="0"/>
+              </a:spcAft>
+              <a:buFont typeface="Arial" pitchFamily="34" charset="0"/>
+              <a:buNone/>
+              <a:defRPr/>
+            </a:pPr>
+            <a:endParaRPr lang="de-DE" dirty="0" smtClean="0"/>
           </a:p>
         </p:txBody>
       </p:sp>
@@ -6158,7 +6092,7 @@
             </a:pPr>
             <a:r>
               <a:rPr lang="ru-RU" dirty="0" smtClean="0"/>
-              <a:t>Введение что и как.</a:t>
+              <a:t>Введение</a:t>
             </a:r>
             <a:endParaRPr lang="en-US" dirty="0" smtClean="0"/>
           </a:p>
@@ -6170,8 +6104,8 @@
               <a:defRPr/>
             </a:pPr>
             <a:r>
-              <a:rPr lang="ru-RU" dirty="0" smtClean="0"/>
-              <a:t>Кодирование</a:t>
+              <a:rPr lang="ru-RU" dirty="0" err="1" smtClean="0"/>
+              <a:t>Демо</a:t>
             </a:r>
             <a:endParaRPr lang="en-US" dirty="0" smtClean="0"/>
           </a:p>
@@ -6197,7 +6131,11 @@
             </a:pPr>
             <a:r>
               <a:rPr lang="ru-RU" dirty="0" smtClean="0"/>
-              <a:t>Создание юнит тестов</a:t>
+              <a:t>Создание юнит </a:t>
+            </a:r>
+            <a:r>
+              <a:rPr lang="ru-RU" dirty="0" smtClean="0"/>
+              <a:t>тестов</a:t>
             </a:r>
             <a:endParaRPr lang="en-US" dirty="0" smtClean="0"/>
           </a:p>
@@ -6209,21 +6147,10 @@
               <a:defRPr/>
             </a:pPr>
             <a:r>
-              <a:rPr lang="en-US" dirty="0" smtClean="0"/>
-              <a:t>Advanced topics</a:t>
-            </a:r>
-          </a:p>
-          <a:p>
-            <a:pPr lvl="1" fontAlgn="auto">
-              <a:spcAft>
-                <a:spcPts val="0"/>
-              </a:spcAft>
-              <a:defRPr/>
-            </a:pPr>
-            <a:r>
-              <a:rPr lang="en-US" dirty="0" smtClean="0"/>
-              <a:t>Limitations</a:t>
-            </a:r>
+              <a:rPr lang="ru-RU" dirty="0" smtClean="0"/>
+              <a:t>Ограничения</a:t>
+            </a:r>
+            <a:endParaRPr lang="en-US" dirty="0" smtClean="0"/>
           </a:p>
           <a:p>
             <a:pPr fontAlgn="auto">
@@ -6233,9 +6160,14 @@
               <a:defRPr/>
             </a:pPr>
             <a:r>
+              <a:rPr lang="ru-RU" dirty="0" smtClean="0"/>
+              <a:t>Немного о </a:t>
+            </a:r>
+            <a:r>
               <a:rPr lang="en-US" dirty="0" smtClean="0"/>
-              <a:t>Outside the Box</a:t>
-            </a:r>
+              <a:t>BDD</a:t>
+            </a:r>
+            <a:endParaRPr lang="en-US" dirty="0" smtClean="0"/>
           </a:p>
           <a:p>
             <a:pPr fontAlgn="auto">
@@ -6245,8 +6177,16 @@
               <a:defRPr/>
             </a:pPr>
             <a:r>
-              <a:rPr lang="en-US" dirty="0" smtClean="0"/>
-              <a:t>Q&amp;A</a:t>
+              <a:rPr lang="ru-RU" dirty="0" smtClean="0"/>
+              <a:t>Вопросы и </a:t>
+            </a:r>
+            <a:r>
+              <a:rPr lang="ru-RU" dirty="0" smtClean="0"/>
+              <a:t>о</a:t>
+            </a:r>
+            <a:r>
+              <a:rPr lang="ru-RU" dirty="0" smtClean="0"/>
+              <a:t>тветы</a:t>
             </a:r>
             <a:endParaRPr lang="en-US" dirty="0"/>
           </a:p>
@@ -6306,7 +6246,7 @@
       </p:sp>
       <p:pic>
         <p:nvPicPr>
-          <p:cNvPr id="4101" name="Grafik 4"/>
+          <p:cNvPr id="7" name="Рисунок 6" descr="screen.png"/>
           <p:cNvPicPr>
             <a:picLocks noChangeAspect="1"/>
           </p:cNvPicPr>
@@ -6314,26 +6254,18 @@
         </p:nvPicPr>
         <p:blipFill>
           <a:blip r:embed="rId2" cstate="print"/>
-          <a:srcRect/>
           <a:stretch>
             <a:fillRect/>
           </a:stretch>
         </p:blipFill>
-        <p:spPr bwMode="auto">
-          <a:xfrm rot="381598">
-            <a:off x="6100763" y="2790825"/>
-            <a:ext cx="1622425" cy="3005138"/>
+        <p:spPr>
+          <a:xfrm>
+            <a:off x="5580112" y="260648"/>
+            <a:ext cx="3314836" cy="6228404"/>
           </a:xfrm>
           <a:prstGeom prst="rect">
             <a:avLst/>
           </a:prstGeom>
-          <a:noFill/>
-          <a:ln w="9525">
-            <a:noFill/>
-            <a:miter lim="800000"/>
-            <a:headEnd/>
-            <a:tailEnd/>
-          </a:ln>
         </p:spPr>
       </p:pic>
     </p:spTree>
@@ -6392,20 +6324,8 @@
               <a:defRPr/>
             </a:pPr>
             <a:r>
-              <a:rPr lang="de-DE" dirty="0" smtClean="0"/>
-              <a:t>Unit </a:t>
-            </a:r>
-            <a:r>
-              <a:rPr lang="de-DE" dirty="0" err="1" smtClean="0"/>
-              <a:t>tests</a:t>
-            </a:r>
-            <a:r>
-              <a:rPr lang="de-DE" dirty="0" smtClean="0"/>
-              <a:t> </a:t>
-            </a:r>
-            <a:r>
-              <a:rPr lang="de-DE" dirty="0" err="1" smtClean="0"/>
-              <a:t>can</a:t>
+              <a:rPr lang="ru-RU" dirty="0" smtClean="0"/>
+              <a:t>Достоинства</a:t>
             </a:r>
             <a:endParaRPr lang="de-DE" dirty="0" smtClean="0"/>
           </a:p>
@@ -6417,40 +6337,8 @@
               <a:defRPr/>
             </a:pPr>
             <a:r>
-              <a:rPr lang="de-DE" dirty="0" err="1" smtClean="0"/>
-              <a:t>reassure</a:t>
-            </a:r>
-            <a:r>
-              <a:rPr lang="de-DE" dirty="0" smtClean="0"/>
-              <a:t> </a:t>
-            </a:r>
-            <a:r>
-              <a:rPr lang="de-DE" dirty="0" err="1" smtClean="0"/>
-              <a:t>code</a:t>
-            </a:r>
-            <a:r>
-              <a:rPr lang="de-DE" dirty="0" smtClean="0"/>
-              <a:t> </a:t>
-            </a:r>
-            <a:r>
-              <a:rPr lang="de-DE" dirty="0" err="1" smtClean="0"/>
-              <a:t>works</a:t>
-            </a:r>
-            <a:r>
-              <a:rPr lang="de-DE" dirty="0" smtClean="0"/>
-              <a:t> </a:t>
-            </a:r>
-            <a:r>
-              <a:rPr lang="de-DE" dirty="0" err="1" smtClean="0"/>
-              <a:t>as</a:t>
-            </a:r>
-            <a:r>
-              <a:rPr lang="de-DE" dirty="0" smtClean="0"/>
-              <a:t> </a:t>
-            </a:r>
-            <a:r>
-              <a:rPr lang="de-DE" dirty="0" err="1" smtClean="0"/>
-              <a:t>expected</a:t>
+              <a:rPr lang="ru-RU" dirty="0" smtClean="0"/>
+              <a:t>Показывают работоспособность кода</a:t>
             </a:r>
             <a:endParaRPr lang="de-DE" dirty="0" smtClean="0"/>
           </a:p>
@@ -6462,24 +6350,8 @@
               <a:defRPr/>
             </a:pPr>
             <a:r>
-              <a:rPr lang="de-DE" dirty="0" err="1" smtClean="0"/>
-              <a:t>facilitate</a:t>
-            </a:r>
-            <a:r>
-              <a:rPr lang="de-DE" dirty="0" smtClean="0"/>
-              <a:t> </a:t>
-            </a:r>
-            <a:r>
-              <a:rPr lang="de-DE" dirty="0" err="1" smtClean="0"/>
-              <a:t>code</a:t>
-            </a:r>
-            <a:r>
-              <a:rPr lang="de-DE" dirty="0" smtClean="0"/>
-              <a:t> </a:t>
-            </a:r>
-            <a:r>
-              <a:rPr lang="de-DE" dirty="0" err="1" smtClean="0"/>
-              <a:t>changes</a:t>
+              <a:rPr lang="ru-RU" dirty="0" smtClean="0"/>
+              <a:t>Показывают изменения кода</a:t>
             </a:r>
             <a:endParaRPr lang="de-DE" dirty="0" smtClean="0"/>
           </a:p>
@@ -6491,53 +6363,10 @@
               <a:defRPr/>
             </a:pPr>
             <a:r>
-              <a:rPr lang="de-DE" dirty="0" err="1" smtClean="0"/>
-              <a:t>detect</a:t>
-            </a:r>
-            <a:r>
-              <a:rPr lang="de-DE" dirty="0" smtClean="0"/>
-              <a:t> </a:t>
-            </a:r>
-            <a:r>
-              <a:rPr lang="de-DE" dirty="0" err="1" smtClean="0"/>
-              <a:t>defects</a:t>
-            </a:r>
-            <a:r>
-              <a:rPr lang="de-DE" dirty="0" smtClean="0"/>
-              <a:t> </a:t>
-            </a:r>
-            <a:r>
-              <a:rPr lang="de-DE" dirty="0" err="1" smtClean="0"/>
-              <a:t>early</a:t>
-            </a:r>
-            <a:r>
-              <a:rPr lang="de-DE" dirty="0" smtClean="0"/>
-              <a:t> (</a:t>
-            </a:r>
-            <a:r>
-              <a:rPr lang="de-DE" dirty="0" err="1" smtClean="0"/>
-              <a:t>bug</a:t>
-            </a:r>
-            <a:r>
-              <a:rPr lang="de-DE" dirty="0" smtClean="0"/>
-              <a:t> </a:t>
-            </a:r>
-            <a:r>
-              <a:rPr lang="de-DE" dirty="0" err="1" smtClean="0"/>
-              <a:t>fixing</a:t>
-            </a:r>
-            <a:r>
-              <a:rPr lang="de-DE" dirty="0" smtClean="0"/>
-              <a:t> </a:t>
-            </a:r>
-            <a:r>
-              <a:rPr lang="de-DE" dirty="0" err="1" smtClean="0"/>
-              <a:t>costs</a:t>
-            </a:r>
-            <a:r>
-              <a:rPr lang="de-DE" dirty="0" smtClean="0"/>
-              <a:t>!)</a:t>
-            </a:r>
+              <a:rPr lang="ru-RU" dirty="0" smtClean="0"/>
+              <a:t>Помогают выявлять ошибки на ранних стадиях</a:t>
+            </a:r>
+            <a:endParaRPr lang="de-DE" dirty="0" smtClean="0"/>
           </a:p>
           <a:p>
             <a:pPr lvl="1" fontAlgn="auto">
@@ -6547,61 +6376,10 @@
               <a:defRPr/>
             </a:pPr>
             <a:r>
-              <a:rPr lang="de-DE" dirty="0" err="1" smtClean="0"/>
-              <a:t>be</a:t>
-            </a:r>
-            <a:r>
-              <a:rPr lang="de-DE" dirty="0" smtClean="0"/>
-              <a:t> (</a:t>
-            </a:r>
-            <a:r>
-              <a:rPr lang="de-DE" dirty="0" err="1" smtClean="0"/>
-              <a:t>part</a:t>
-            </a:r>
-            <a:r>
-              <a:rPr lang="de-DE" dirty="0" smtClean="0"/>
-              <a:t> </a:t>
-            </a:r>
-            <a:r>
-              <a:rPr lang="de-DE" dirty="0" err="1" smtClean="0"/>
-              <a:t>of</a:t>
-            </a:r>
-            <a:r>
-              <a:rPr lang="de-DE" dirty="0" smtClean="0"/>
-              <a:t>) </a:t>
-            </a:r>
-            <a:r>
-              <a:rPr lang="de-DE" dirty="0" err="1" smtClean="0"/>
-              <a:t>the</a:t>
-            </a:r>
-            <a:r>
-              <a:rPr lang="de-DE" dirty="0" smtClean="0"/>
-              <a:t> </a:t>
-            </a:r>
-            <a:r>
-              <a:rPr lang="de-DE" dirty="0" err="1" smtClean="0"/>
-              <a:t>documentation</a:t>
-            </a:r>
-            <a:r>
-              <a:rPr lang="de-DE" dirty="0" smtClean="0"/>
-              <a:t> </a:t>
-            </a:r>
-            <a:r>
-              <a:rPr lang="de-DE" dirty="0" err="1" smtClean="0"/>
-              <a:t>and</a:t>
-            </a:r>
-            <a:r>
-              <a:rPr lang="de-DE" dirty="0" smtClean="0"/>
-              <a:t> design (</a:t>
-            </a:r>
-            <a:r>
-              <a:rPr lang="de-DE" dirty="0" err="1" smtClean="0"/>
-              <a:t>esp</a:t>
-            </a:r>
-            <a:r>
-              <a:rPr lang="de-DE" dirty="0" smtClean="0"/>
-              <a:t>. TDD)</a:t>
-            </a:r>
+              <a:rPr lang="ru-RU" dirty="0" smtClean="0"/>
+              <a:t>Могут быть частью документации</a:t>
+            </a:r>
+            <a:endParaRPr lang="de-DE" dirty="0" smtClean="0"/>
           </a:p>
           <a:p>
             <a:pPr fontAlgn="auto">
@@ -6611,20 +6389,8 @@
               <a:defRPr/>
             </a:pPr>
             <a:r>
-              <a:rPr lang="de-DE" dirty="0" smtClean="0"/>
-              <a:t>But </a:t>
-            </a:r>
-            <a:r>
-              <a:rPr lang="de-DE" dirty="0" err="1" smtClean="0"/>
-              <a:t>unit</a:t>
-            </a:r>
-            <a:r>
-              <a:rPr lang="de-DE" dirty="0" smtClean="0"/>
-              <a:t> </a:t>
-            </a:r>
-            <a:r>
-              <a:rPr lang="de-DE" dirty="0" err="1" smtClean="0"/>
-              <a:t>tests</a:t>
+              <a:rPr lang="ru-RU" dirty="0" smtClean="0"/>
+              <a:t>Но</a:t>
             </a:r>
             <a:endParaRPr lang="de-DE" dirty="0" smtClean="0"/>
           </a:p>
@@ -6636,56 +6402,8 @@
               <a:defRPr/>
             </a:pPr>
             <a:r>
-              <a:rPr lang="de-DE" dirty="0" err="1" smtClean="0"/>
-              <a:t>can</a:t>
-            </a:r>
-            <a:r>
-              <a:rPr lang="de-DE" dirty="0" smtClean="0"/>
-              <a:t> </a:t>
-            </a:r>
-            <a:r>
-              <a:rPr lang="de-DE" dirty="0" err="1" smtClean="0"/>
-              <a:t>only</a:t>
-            </a:r>
-            <a:r>
-              <a:rPr lang="de-DE" dirty="0" smtClean="0"/>
-              <a:t> </a:t>
-            </a:r>
-            <a:r>
-              <a:rPr lang="de-DE" dirty="0" err="1" smtClean="0"/>
-              <a:t>show</a:t>
-            </a:r>
-            <a:r>
-              <a:rPr lang="de-DE" dirty="0" smtClean="0"/>
-              <a:t> </a:t>
-            </a:r>
-            <a:r>
-              <a:rPr lang="de-DE" dirty="0" err="1" smtClean="0"/>
-              <a:t>the</a:t>
-            </a:r>
-            <a:r>
-              <a:rPr lang="de-DE" dirty="0" smtClean="0"/>
-              <a:t> </a:t>
-            </a:r>
-            <a:r>
-              <a:rPr lang="de-DE" dirty="0" err="1" smtClean="0"/>
-              <a:t>presence</a:t>
-            </a:r>
-            <a:r>
-              <a:rPr lang="de-DE" dirty="0" smtClean="0"/>
-              <a:t> </a:t>
-            </a:r>
-            <a:r>
-              <a:rPr lang="de-DE" dirty="0" err="1" smtClean="0"/>
-              <a:t>of</a:t>
-            </a:r>
-            <a:r>
-              <a:rPr lang="de-DE" dirty="0" smtClean="0"/>
-              <a:t> </a:t>
-            </a:r>
-            <a:r>
-              <a:rPr lang="de-DE" dirty="0" err="1" smtClean="0"/>
-              <a:t>errors</a:t>
+              <a:rPr lang="ru-RU" dirty="0" smtClean="0"/>
+              <a:t>Показывают только наличие ошибок</a:t>
             </a:r>
             <a:endParaRPr lang="de-DE" dirty="0" smtClean="0"/>
           </a:p>
@@ -6697,72 +6415,8 @@
               <a:defRPr/>
             </a:pPr>
             <a:r>
-              <a:rPr lang="de-DE" dirty="0" err="1" smtClean="0"/>
-              <a:t>have</a:t>
-            </a:r>
-            <a:r>
-              <a:rPr lang="de-DE" dirty="0" smtClean="0"/>
-              <a:t> </a:t>
-            </a:r>
-            <a:r>
-              <a:rPr lang="de-DE" dirty="0" err="1" smtClean="0"/>
-              <a:t>to</a:t>
-            </a:r>
-            <a:r>
-              <a:rPr lang="de-DE" dirty="0" smtClean="0"/>
-              <a:t> </a:t>
-            </a:r>
-            <a:r>
-              <a:rPr lang="de-DE" dirty="0" err="1" smtClean="0"/>
-              <a:t>test</a:t>
-            </a:r>
-            <a:r>
-              <a:rPr lang="de-DE" dirty="0" smtClean="0"/>
-              <a:t> </a:t>
-            </a:r>
-            <a:r>
-              <a:rPr lang="de-DE" dirty="0" err="1" smtClean="0"/>
-              <a:t>the</a:t>
-            </a:r>
-            <a:r>
-              <a:rPr lang="de-DE" dirty="0" smtClean="0"/>
-              <a:t> </a:t>
-            </a:r>
-            <a:r>
-              <a:rPr lang="de-DE" dirty="0" err="1" smtClean="0"/>
-              <a:t>right</a:t>
-            </a:r>
-            <a:r>
-              <a:rPr lang="de-DE" dirty="0" smtClean="0"/>
-              <a:t> </a:t>
-            </a:r>
-            <a:r>
-              <a:rPr lang="de-DE" dirty="0" err="1" smtClean="0"/>
-              <a:t>things</a:t>
-            </a:r>
-            <a:r>
-              <a:rPr lang="de-DE" dirty="0" smtClean="0"/>
-              <a:t> in </a:t>
-            </a:r>
-            <a:r>
-              <a:rPr lang="de-DE" dirty="0" err="1" smtClean="0"/>
-              <a:t>the</a:t>
-            </a:r>
-            <a:r>
-              <a:rPr lang="de-DE" dirty="0" smtClean="0"/>
-              <a:t> </a:t>
-            </a:r>
-            <a:r>
-              <a:rPr lang="de-DE" dirty="0" err="1" smtClean="0"/>
-              <a:t>right</a:t>
-            </a:r>
-            <a:r>
-              <a:rPr lang="de-DE" dirty="0" smtClean="0"/>
-              <a:t> </a:t>
-            </a:r>
-            <a:r>
-              <a:rPr lang="de-DE" dirty="0" err="1" smtClean="0"/>
-              <a:t>way</a:t>
+              <a:rPr lang="ru-RU" dirty="0" smtClean="0"/>
+              <a:t>В тестах тоже бывают ошибки</a:t>
             </a:r>
             <a:endParaRPr lang="de-DE" dirty="0" smtClean="0"/>
           </a:p>
@@ -6774,41 +6428,10 @@
               <a:defRPr/>
             </a:pPr>
             <a:r>
-              <a:rPr lang="de-DE" dirty="0" smtClean="0"/>
-              <a:t>must </a:t>
-            </a:r>
-            <a:r>
-              <a:rPr lang="de-DE" dirty="0" err="1" smtClean="0"/>
-              <a:t>be</a:t>
-            </a:r>
-            <a:r>
-              <a:rPr lang="de-DE" dirty="0" smtClean="0"/>
-              <a:t> </a:t>
-            </a:r>
-            <a:r>
-              <a:rPr lang="de-DE" dirty="0" err="1" smtClean="0"/>
-              <a:t>maintained</a:t>
-            </a:r>
-            <a:r>
-              <a:rPr lang="de-DE" dirty="0" smtClean="0"/>
-              <a:t> (</a:t>
-            </a:r>
-            <a:r>
-              <a:rPr lang="de-DE" dirty="0" err="1" smtClean="0"/>
-              <a:t>failure</a:t>
-            </a:r>
-            <a:r>
-              <a:rPr lang="de-DE" dirty="0" smtClean="0"/>
-              <a:t> </a:t>
-            </a:r>
-            <a:r>
-              <a:rPr lang="de-DE" dirty="0" err="1" smtClean="0"/>
-              <a:t>reviews</a:t>
-            </a:r>
-            <a:r>
-              <a:rPr lang="de-DE" dirty="0" smtClean="0"/>
-              <a:t>)</a:t>
-            </a:r>
+              <a:rPr lang="ru-RU" dirty="0" smtClean="0"/>
+              <a:t>Необходима своевременная поддержка</a:t>
+            </a:r>
+            <a:endParaRPr lang="de-DE" dirty="0" smtClean="0"/>
           </a:p>
           <a:p>
             <a:pPr lvl="1" fontAlgn="auto">
@@ -6875,8 +6498,16 @@
           <a:lstStyle/>
           <a:p>
             <a:r>
-              <a:rPr lang="de-DE" smtClean="0"/>
-              <a:t>Unit Testing (1)</a:t>
+              <a:rPr lang="ru-RU" dirty="0" smtClean="0"/>
+              <a:t>Юнит тестирования</a:t>
+            </a:r>
+            <a:r>
+              <a:rPr lang="de-DE" dirty="0" smtClean="0"/>
+              <a:t> </a:t>
+            </a:r>
+            <a:r>
+              <a:rPr lang="de-DE" dirty="0" smtClean="0"/>
+              <a:t>(1)</a:t>
             </a:r>
           </a:p>
         </p:txBody>
@@ -6936,72 +6567,60 @@
           <a:lstStyle/>
           <a:p>
             <a:r>
-              <a:rPr lang="de-DE" smtClean="0"/>
-              <a:t>Write unit tests that:</a:t>
-            </a:r>
+              <a:rPr lang="ru-RU" dirty="0" smtClean="0"/>
+              <a:t>Тесты должны быть</a:t>
+            </a:r>
+            <a:r>
+              <a:rPr lang="de-DE" dirty="0" smtClean="0"/>
+              <a:t>:</a:t>
+            </a:r>
+            <a:endParaRPr lang="de-DE" dirty="0" smtClean="0"/>
           </a:p>
           <a:p>
             <a:pPr lvl="1"/>
             <a:r>
-              <a:rPr lang="de-DE" smtClean="0"/>
-              <a:t>test a single piece of code (a "unit")</a:t>
-            </a:r>
+              <a:rPr lang="ru-RU" dirty="0" smtClean="0"/>
+              <a:t>Быстрыми</a:t>
+            </a:r>
+            <a:endParaRPr lang="de-DE" dirty="0" smtClean="0"/>
           </a:p>
           <a:p>
             <a:pPr lvl="1"/>
             <a:r>
-              <a:rPr lang="de-DE" smtClean="0"/>
-              <a:t>test a single functionality</a:t>
-            </a:r>
+              <a:rPr lang="ru-RU" dirty="0" smtClean="0"/>
+              <a:t>Изолированными</a:t>
+            </a:r>
+            <a:endParaRPr lang="de-DE" dirty="0" smtClean="0"/>
           </a:p>
           <a:p>
             <a:pPr lvl="1"/>
             <a:r>
-              <a:rPr lang="de-DE" smtClean="0"/>
-              <a:t>test your own code (no testing .NET or libs)</a:t>
-            </a:r>
+              <a:rPr lang="ru-RU" dirty="0" smtClean="0"/>
+              <a:t>Само проверяемыми</a:t>
+            </a:r>
+            <a:endParaRPr lang="de-DE" dirty="0" smtClean="0"/>
           </a:p>
           <a:p>
             <a:pPr lvl="1"/>
             <a:r>
-              <a:rPr lang="de-DE" smtClean="0"/>
-              <a:t>result in the most benefit</a:t>
+              <a:rPr lang="ru-RU" dirty="0" smtClean="0"/>
+              <a:t>Своевременными</a:t>
+            </a:r>
+            <a:r>
+              <a:rPr lang="de-DE" dirty="0" smtClean="0"/>
+              <a:t/>
             </a:r>
             <a:br>
-              <a:rPr lang="de-DE" smtClean="0"/>
+              <a:rPr lang="de-DE" dirty="0" smtClean="0"/>
             </a:br>
-            <a:r>
-              <a:rPr lang="de-DE" smtClean="0"/>
-              <a:t>=&gt; test what is important to the project</a:t>
-            </a:r>
-            <a:br>
-              <a:rPr lang="de-DE" smtClean="0"/>
-            </a:br>
-            <a:r>
-              <a:rPr lang="de-DE" smtClean="0"/>
-              <a:t>=&gt; test what contains most logic or is complex</a:t>
-            </a:r>
-            <a:br>
-              <a:rPr lang="de-DE" smtClean="0"/>
-            </a:br>
-            <a:r>
-              <a:rPr lang="de-DE" smtClean="0"/>
-              <a:t>=&gt; test what changes frequently</a:t>
-            </a:r>
-            <a:br>
-              <a:rPr lang="de-DE" smtClean="0"/>
-            </a:br>
-            <a:r>
-              <a:rPr lang="de-DE" smtClean="0"/>
-              <a:t>=&gt; state machines, calculations, nested conditions etc.</a:t>
-            </a:r>
+            <a:endParaRPr lang="de-DE" dirty="0" smtClean="0"/>
           </a:p>
           <a:p>
             <a:pPr lvl="1"/>
-            <a:endParaRPr lang="de-DE" smtClean="0"/>
-          </a:p>
-          <a:p>
-            <a:endParaRPr lang="de-DE" smtClean="0"/>
+            <a:endParaRPr lang="de-DE" dirty="0" smtClean="0"/>
+          </a:p>
+          <a:p>
+            <a:endParaRPr lang="de-DE" dirty="0" smtClean="0"/>
           </a:p>
         </p:txBody>
       </p:sp>
@@ -7050,8 +6669,16 @@
           <a:lstStyle/>
           <a:p>
             <a:r>
-              <a:rPr lang="de-DE" smtClean="0"/>
-              <a:t>Unit Testing (2)</a:t>
+              <a:rPr lang="ru-RU" dirty="0" smtClean="0"/>
+              <a:t>Юнит тестирование</a:t>
+            </a:r>
+            <a:r>
+              <a:rPr lang="de-DE" dirty="0" smtClean="0"/>
+              <a:t> </a:t>
+            </a:r>
+            <a:r>
+              <a:rPr lang="de-DE" dirty="0" smtClean="0"/>
+              <a:t>(2)</a:t>
             </a:r>
           </a:p>
         </p:txBody>
@@ -7138,9 +6765,10 @@
           <a:lstStyle/>
           <a:p>
             <a:r>
-              <a:rPr lang="en-US" smtClean="0"/>
-              <a:t>Live Coding</a:t>
-            </a:r>
+              <a:rPr lang="ru-RU" dirty="0" err="1" smtClean="0"/>
+              <a:t>Демо</a:t>
+            </a:r>
+            <a:endParaRPr lang="en-US" dirty="0" smtClean="0"/>
           </a:p>
         </p:txBody>
       </p:sp>
@@ -7194,7 +6822,7 @@
         </p:spPr>
         <p:txBody>
           <a:bodyPr rtlCol="0">
-            <a:normAutofit/>
+            <a:normAutofit fontScale="92500"/>
           </a:bodyPr>
           <a:lstStyle/>
           <a:p>
@@ -7205,13 +6833,22 @@
               <a:defRPr/>
             </a:pPr>
             <a:r>
+              <a:rPr lang="ru-RU" b="1" dirty="0" smtClean="0"/>
+              <a:t>Установка</a:t>
+            </a:r>
+            <a:r>
               <a:rPr lang="en-US" b="1" dirty="0" smtClean="0"/>
-              <a:t>Setup:</a:t>
-            </a:r>
-            <a:r>
-              <a:rPr lang="en-US" dirty="0" smtClean="0"/>
-              <a:t> not straight-forward, limitations</a:t>
-            </a:r>
+              <a:t>:</a:t>
+            </a:r>
+            <a:r>
+              <a:rPr lang="ru-RU" b="1" dirty="0" smtClean="0"/>
+              <a:t> </a:t>
+            </a:r>
+            <a:r>
+              <a:rPr lang="ru-RU" dirty="0" smtClean="0"/>
+              <a:t>Необходимы дополнительные инструменты</a:t>
+            </a:r>
+            <a:endParaRPr lang="en-US" dirty="0" smtClean="0"/>
           </a:p>
           <a:p>
             <a:pPr fontAlgn="auto">
@@ -7221,12 +6858,16 @@
               <a:defRPr/>
             </a:pPr>
             <a:r>
+              <a:rPr lang="ru-RU" b="1" dirty="0" smtClean="0"/>
+              <a:t>Написание тестов</a:t>
+            </a:r>
+            <a:r>
               <a:rPr lang="en-US" b="1" dirty="0" smtClean="0"/>
-              <a:t>Writing tests: </a:t>
-            </a:r>
-            <a:r>
-              <a:rPr lang="en-US" dirty="0" smtClean="0"/>
-              <a:t>pretty much the same as on the desktop and in other projects, the most challenging part especially for beginners</a:t>
+              <a:t>: </a:t>
+            </a:r>
+            <a:r>
+              <a:rPr lang="ru-RU" dirty="0" smtClean="0"/>
+              <a:t>Процесс написания практически такой же, как и для других типов приложений</a:t>
             </a:r>
           </a:p>
           <a:p>
@@ -7238,11 +6879,27 @@
             </a:pPr>
             <a:r>
               <a:rPr lang="en-US" b="1" dirty="0" smtClean="0"/>
-              <a:t>Mocking/Isolation:</a:t>
+              <a:t>Mocking/Isolation</a:t>
+            </a:r>
+            <a:r>
+              <a:rPr lang="en-US" b="1" dirty="0" smtClean="0"/>
+              <a:t>:</a:t>
             </a:r>
             <a:r>
               <a:rPr lang="en-US" dirty="0" smtClean="0"/>
-              <a:t> not available at all, makes everything harder or requires additional setup/more manual coding</a:t>
+              <a:t> </a:t>
+            </a:r>
+            <a:r>
+              <a:rPr lang="ru-RU" dirty="0" smtClean="0"/>
+              <a:t>Механизмы </a:t>
+            </a:r>
+            <a:r>
+              <a:rPr lang="ru-RU" dirty="0" smtClean="0"/>
+              <a:t>н</a:t>
+            </a:r>
+            <a:r>
+              <a:rPr lang="ru-RU" dirty="0" smtClean="0"/>
+              <a:t>е доступны в данный момент. Дополнительное ручное кодирование или альтернативные подходы</a:t>
             </a:r>
             <a:endParaRPr lang="en-US" dirty="0"/>
           </a:p>
@@ -7293,9 +6950,10 @@
           <a:lstStyle/>
           <a:p>
             <a:r>
-              <a:rPr lang="de-DE" smtClean="0"/>
-              <a:t>Summary</a:t>
-            </a:r>
+              <a:rPr lang="ru-RU" dirty="0" smtClean="0"/>
+              <a:t>Выводы</a:t>
+            </a:r>
+            <a:endParaRPr lang="de-DE" dirty="0" smtClean="0"/>
           </a:p>
         </p:txBody>
       </p:sp>
@@ -7333,37 +6991,6 @@
       </p:grpSpPr>
       <p:sp>
         <p:nvSpPr>
-          <p:cNvPr id="9219" name="Inhaltsplatzhalter 2"/>
-          <p:cNvSpPr>
-            <a:spLocks noGrp="1"/>
-          </p:cNvSpPr>
-          <p:nvPr>
-            <p:ph idx="1"/>
-          </p:nvPr>
-        </p:nvSpPr>
-        <p:spPr>
-          <a:xfrm>
-            <a:off x="611188" y="2997200"/>
-            <a:ext cx="7859712" cy="3413125"/>
-          </a:xfrm>
-        </p:spPr>
-        <p:txBody>
-          <a:bodyPr/>
-          <a:lstStyle/>
-          <a:p>
-            <a:pPr marL="0" indent="0" algn="ctr">
-              <a:buFont typeface="Arial" pitchFamily="34" charset="0"/>
-              <a:buNone/>
-            </a:pPr>
-            <a:r>
-              <a:rPr lang="en-US" smtClean="0"/>
-              <a:t>Live demo of BDD</a:t>
-            </a:r>
-          </a:p>
-        </p:txBody>
-      </p:sp>
-      <p:sp>
-        <p:nvSpPr>
           <p:cNvPr id="4" name="Foliennummernplatzhalter 3"/>
           <p:cNvSpPr>
             <a:spLocks noGrp="1"/>
@@ -7393,7 +7020,7 @@
       </p:sp>
       <p:sp>
         <p:nvSpPr>
-          <p:cNvPr id="9218" name="Titel 1"/>
+          <p:cNvPr id="5" name="Заголовок 4"/>
           <p:cNvSpPr>
             <a:spLocks noGrp="1"/>
           </p:cNvSpPr>
@@ -7406,10 +7033,123 @@
           <a:bodyPr/>
           <a:lstStyle/>
           <a:p>
-            <a:r>
-              <a:rPr lang="de-DE" smtClean="0"/>
-              <a:t>Outside the Box</a:t>
-            </a:r>
+            <a:endParaRPr lang="en-US" dirty="0"/>
+          </a:p>
+        </p:txBody>
+      </p:sp>
+      <p:sp>
+        <p:nvSpPr>
+          <p:cNvPr id="8" name="Titel 1"/>
+          <p:cNvSpPr txBox="1">
+            <a:spLocks/>
+          </p:cNvSpPr>
+          <p:nvPr/>
+        </p:nvSpPr>
+        <p:spPr>
+          <a:xfrm>
+            <a:off x="446088" y="2924175"/>
+            <a:ext cx="8229600" cy="1143000"/>
+          </a:xfrm>
+          <a:prstGeom prst="rect">
+            <a:avLst/>
+          </a:prstGeom>
+        </p:spPr>
+        <p:txBody>
+          <a:bodyPr vert="horz" rtlCol="0" anchor="ctr">
+            <a:normAutofit/>
+            <a:scene3d>
+              <a:camera prst="orthographicFront"/>
+              <a:lightRig rig="soft" dir="t"/>
+            </a:scene3d>
+            <a:sp3d prstMaterial="softEdge">
+              <a:bevelT w="25400" h="25400"/>
+            </a:sp3d>
+          </a:bodyPr>
+          <a:lstStyle/>
+          <a:p>
+            <a:pPr marL="0" marR="0" lvl="0" indent="0" algn="l" defTabSz="914400" rtl="0" eaLnBrk="1" fontAlgn="auto" latinLnBrk="0" hangingPunct="1">
+              <a:lnSpc>
+                <a:spcPct val="100000"/>
+              </a:lnSpc>
+              <a:spcBef>
+                <a:spcPct val="0"/>
+              </a:spcBef>
+              <a:spcAft>
+                <a:spcPts val="0"/>
+              </a:spcAft>
+              <a:buClrTx/>
+              <a:buSzTx/>
+              <a:buFontTx/>
+              <a:buNone/>
+              <a:tabLst/>
+              <a:defRPr/>
+            </a:pPr>
+            <a:r>
+              <a:rPr kumimoji="0" lang="ru-RU" sz="4100" b="1" i="0" u="none" strike="noStrike" kern="1200" cap="none" spc="0" normalizeH="0" baseline="0" noProof="0" dirty="0" smtClean="0">
+                <a:ln>
+                  <a:noFill/>
+                </a:ln>
+                <a:solidFill>
+                  <a:schemeClr val="tx2"/>
+                </a:solidFill>
+                <a:effectLst>
+                  <a:outerShdw blurRad="31750" dist="25400" dir="5400000" algn="tl" rotWithShape="0">
+                    <a:srgbClr val="000000">
+                      <a:alpha val="25000"/>
+                    </a:srgbClr>
+                  </a:outerShdw>
+                </a:effectLst>
+                <a:uLnTx/>
+                <a:uFillTx/>
+                <a:latin typeface="+mj-lt"/>
+                <a:ea typeface="+mj-ea"/>
+                <a:cs typeface="+mj-cs"/>
+              </a:rPr>
+              <a:t>Немного </a:t>
+            </a:r>
+            <a:r>
+              <a:rPr kumimoji="0" lang="en-US" sz="4100" b="1" i="0" u="none" strike="noStrike" kern="1200" cap="none" spc="0" normalizeH="0" baseline="0" noProof="0" dirty="0" smtClean="0">
+                <a:ln>
+                  <a:noFill/>
+                </a:ln>
+                <a:solidFill>
+                  <a:schemeClr val="tx2"/>
+                </a:solidFill>
+                <a:effectLst>
+                  <a:outerShdw blurRad="31750" dist="25400" dir="5400000" algn="tl" rotWithShape="0">
+                    <a:srgbClr val="000000">
+                      <a:alpha val="25000"/>
+                    </a:srgbClr>
+                  </a:outerShdw>
+                </a:effectLst>
+                <a:uLnTx/>
+                <a:uFillTx/>
+                <a:latin typeface="+mj-lt"/>
+                <a:ea typeface="+mj-ea"/>
+                <a:cs typeface="+mj-cs"/>
+              </a:rPr>
+              <a:t>BDD</a:t>
+            </a:r>
+            <a:endParaRPr kumimoji="0" lang="de-DE" sz="4100" b="1" i="0" u="none" strike="noStrike" kern="1200" cap="none" spc="0" normalizeH="0" baseline="0" noProof="0" dirty="0" smtClean="0">
+              <a:ln>
+                <a:noFill/>
+              </a:ln>
+              <a:solidFill>
+                <a:schemeClr val="tx2"/>
+              </a:solidFill>
+              <a:effectLst>
+                <a:outerShdw blurRad="31750" dist="25400" dir="5400000" algn="tl" rotWithShape="0">
+                  <a:srgbClr val="000000">
+                    <a:alpha val="25000"/>
+                  </a:srgbClr>
+                </a:outerShdw>
+              </a:effectLst>
+              <a:uLnTx/>
+              <a:uFillTx/>
+              <a:latin typeface="+mj-lt"/>
+              <a:ea typeface="+mj-ea"/>
+              <a:cs typeface="+mj-cs"/>
+            </a:endParaRPr>
           </a:p>
         </p:txBody>
       </p:sp>
@@ -7463,405 +7203,267 @@
         </p:spPr>
         <p:txBody>
           <a:bodyPr rtlCol="0">
-            <a:normAutofit fontScale="40000" lnSpcReduction="20000"/>
+            <a:normAutofit fontScale="92500" lnSpcReduction="10000"/>
           </a:bodyPr>
           <a:lstStyle/>
           <a:p>
-            <a:pPr marL="0" indent="0" fontAlgn="auto">
-              <a:spcAft>
-                <a:spcPts val="0"/>
-              </a:spcAft>
-              <a:buFont typeface="Arial" pitchFamily="34" charset="0"/>
-              <a:buNone/>
-              <a:defRPr/>
-            </a:pPr>
-            <a:r>
-              <a:rPr lang="en-US" b="1" dirty="0"/>
-              <a:t>Windows Phone Unit Testing </a:t>
-            </a:r>
-            <a:r>
-              <a:rPr lang="en-US" b="1" dirty="0" smtClean="0"/>
-              <a:t>Resources</a:t>
-            </a:r>
-            <a:endParaRPr lang="en-US" b="1" dirty="0"/>
-          </a:p>
-          <a:p>
-            <a:pPr fontAlgn="auto">
-              <a:spcAft>
-                <a:spcPts val="0"/>
-              </a:spcAft>
-              <a:defRPr/>
-            </a:pPr>
-            <a:r>
-              <a:rPr lang="en-US" dirty="0"/>
-              <a:t>Jeff Wilcox WP7 Unit Testing bits: </a:t>
-            </a:r>
-            <a:r>
-              <a:rPr lang="en-US" dirty="0" smtClean="0"/>
+            <a:pPr>
+              <a:defRPr/>
+            </a:pPr>
+            <a:r>
+              <a:rPr lang="en-US" sz="1800" dirty="0" smtClean="0"/>
+              <a:t>Silverlight Toolkit: </a:t>
+            </a:r>
+            <a:r>
+              <a:rPr lang="en-US" sz="1800" dirty="0" smtClean="0"/>
               <a:t/>
             </a:r>
             <a:br>
-              <a:rPr lang="en-US" dirty="0" smtClean="0"/>
+              <a:rPr lang="en-US" sz="1800" dirty="0" smtClean="0"/>
             </a:br>
             <a:r>
-              <a:rPr lang="en-US" u="sng" dirty="0" smtClean="0">
+              <a:rPr lang="en-US" sz="1800" u="sng" dirty="0" smtClean="0">
                 <a:hlinkClick r:id="rId2"/>
               </a:rPr>
-              <a:t>http</a:t>
-            </a:r>
-            <a:r>
-              <a:rPr lang="en-US" u="sng" dirty="0">
-                <a:hlinkClick r:id="rId2"/>
-              </a:rPr>
-              <a:t>://www.jeff.wilcox.name/2011/06/updated-ut-mango-bits/</a:t>
-            </a:r>
-            <a:endParaRPr lang="en-US" dirty="0"/>
-          </a:p>
-          <a:p>
-            <a:pPr fontAlgn="auto">
-              <a:spcAft>
-                <a:spcPts val="0"/>
-              </a:spcAft>
-              <a:defRPr/>
-            </a:pPr>
-            <a:r>
-              <a:rPr lang="en-US" dirty="0"/>
-              <a:t>Roger Peter WP7 Unit Testing cheat sheet: </a:t>
-            </a:r>
-            <a:r>
-              <a:rPr lang="en-US" dirty="0" smtClean="0"/>
+              <a:t> http://silverlight.codeplex.com/</a:t>
+            </a:r>
+            <a:endParaRPr lang="en-US" sz="1800" dirty="0"/>
+          </a:p>
+          <a:p>
+            <a:pPr>
+              <a:defRPr/>
+            </a:pPr>
+            <a:r>
+              <a:rPr lang="en-US" sz="1800" dirty="0" smtClean="0"/>
+              <a:t>Windows Phone 7 Continuous Integration </a:t>
+            </a:r>
+            <a:r>
+              <a:rPr lang="en-US" sz="1800" dirty="0" smtClean="0"/>
+              <a:t>T</a:t>
+            </a:r>
+            <a:r>
+              <a:rPr lang="en-US" sz="1800" dirty="0" smtClean="0"/>
+              <a:t>esting framework</a:t>
+            </a:r>
+            <a:r>
+              <a:rPr lang="en-US" sz="1800" dirty="0" smtClean="0"/>
               <a:t/>
             </a:r>
             <a:br>
-              <a:rPr lang="en-US" dirty="0" smtClean="0"/>
+              <a:rPr lang="en-US" sz="1800" dirty="0" smtClean="0"/>
             </a:br>
             <a:r>
-              <a:rPr lang="en-US" u="sng" dirty="0" smtClean="0">
+              <a:rPr lang="en-US" sz="1800" dirty="0" smtClean="0"/>
+              <a:t> </a:t>
+            </a:r>
+            <a:r>
+              <a:rPr lang="en-US" sz="1800" dirty="0" smtClean="0">
                 <a:hlinkClick r:id="rId3"/>
               </a:rPr>
-              <a:t>http</a:t>
-            </a:r>
-            <a:r>
-              <a:rPr lang="en-US" u="sng" dirty="0">
+              <a:t>http://</a:t>
+            </a:r>
+            <a:r>
+              <a:rPr lang="en-US" sz="1800" dirty="0" smtClean="0">
                 <a:hlinkClick r:id="rId3"/>
               </a:rPr>
-              <a:t>://smartypantscoding.com/a-cheat-sheet-for-unit-testing-silverlight-apps-on-windows-phone-7</a:t>
-            </a:r>
-            <a:endParaRPr lang="en-US" dirty="0"/>
-          </a:p>
-          <a:p>
-            <a:pPr marL="0" indent="0" fontAlgn="auto">
-              <a:spcAft>
-                <a:spcPts val="0"/>
-              </a:spcAft>
-              <a:buFont typeface="Arial" pitchFamily="34" charset="0"/>
-              <a:buNone/>
-              <a:defRPr/>
-            </a:pPr>
-            <a:r>
-              <a:rPr lang="en-US" dirty="0"/>
-              <a:t> </a:t>
-            </a:r>
-          </a:p>
-          <a:p>
-            <a:pPr marL="0" indent="0" fontAlgn="auto">
-              <a:spcAft>
-                <a:spcPts val="0"/>
-              </a:spcAft>
-              <a:buFont typeface="Arial" pitchFamily="34" charset="0"/>
-              <a:buNone/>
-              <a:defRPr/>
-            </a:pPr>
-            <a:r>
-              <a:rPr lang="en-US" b="1" dirty="0"/>
-              <a:t>Silverlight compatible isolation framework "</a:t>
-            </a:r>
-            <a:r>
-              <a:rPr lang="en-US" b="1" dirty="0" err="1"/>
-              <a:t>Moq</a:t>
-            </a:r>
-            <a:r>
-              <a:rPr lang="en-US" b="1" dirty="0"/>
-              <a:t>": </a:t>
-            </a:r>
-            <a:r>
-              <a:rPr lang="en-US" u="sng" dirty="0" smtClean="0">
+              <a:t>wp7ci.codeplex.com</a:t>
+            </a:r>
+            <a:r>
+              <a:rPr lang="en-US" sz="1800" u="sng" dirty="0" smtClean="0">
+                <a:hlinkClick r:id="rId3"/>
+              </a:rPr>
+              <a:t>/</a:t>
+            </a:r>
+            <a:endParaRPr lang="en-US" sz="1800" dirty="0"/>
+          </a:p>
+          <a:p>
+            <a:pPr>
+              <a:defRPr/>
+            </a:pPr>
+            <a:r>
+              <a:rPr lang="en-US" sz="1800" dirty="0" smtClean="0"/>
+              <a:t>Mocking library with Silverlight compatibility</a:t>
+            </a:r>
+            <a:r>
+              <a:rPr lang="en-US" sz="1800" dirty="0" smtClean="0"/>
+              <a:t/>
+            </a:r>
+            <a:br>
+              <a:rPr lang="en-US" sz="1800" dirty="0" smtClean="0"/>
+            </a:br>
+            <a:r>
+              <a:rPr lang="en-US" sz="1800" dirty="0" smtClean="0"/>
+              <a:t> </a:t>
+            </a:r>
+            <a:r>
+              <a:rPr lang="en-US" sz="1800" dirty="0" smtClean="0">
                 <a:hlinkClick r:id="rId4"/>
               </a:rPr>
-              <a:t>http</a:t>
-            </a:r>
-            <a:r>
-              <a:rPr lang="en-US" u="sng" dirty="0">
+              <a:t>http://code.google.com/p/moq</a:t>
+            </a:r>
+            <a:r>
+              <a:rPr lang="en-US" sz="1800" dirty="0" smtClean="0">
                 <a:hlinkClick r:id="rId4"/>
               </a:rPr>
-              <a:t>://code.google.com/p/moq</a:t>
-            </a:r>
-            <a:endParaRPr lang="en-US" dirty="0"/>
-          </a:p>
-          <a:p>
-            <a:pPr marL="0" indent="0" fontAlgn="auto">
-              <a:spcAft>
-                <a:spcPts val="0"/>
-              </a:spcAft>
-              <a:buFont typeface="Arial" pitchFamily="34" charset="0"/>
-              <a:buNone/>
-              <a:defRPr/>
-            </a:pPr>
-            <a:r>
-              <a:rPr lang="en-US" dirty="0"/>
-              <a:t> </a:t>
-            </a:r>
-          </a:p>
-          <a:p>
-            <a:pPr marL="0" indent="0" fontAlgn="auto">
-              <a:spcAft>
-                <a:spcPts val="0"/>
-              </a:spcAft>
-              <a:buFont typeface="Arial" pitchFamily="34" charset="0"/>
-              <a:buNone/>
-              <a:defRPr/>
-            </a:pPr>
-            <a:r>
-              <a:rPr lang="en-US" b="1" dirty="0"/>
-              <a:t>BDD related </a:t>
-            </a:r>
-            <a:r>
-              <a:rPr lang="en-US" b="1" dirty="0" smtClean="0"/>
-              <a:t>resources</a:t>
-            </a:r>
-            <a:endParaRPr lang="en-US" b="1" dirty="0"/>
-          </a:p>
-          <a:p>
-            <a:pPr fontAlgn="auto">
-              <a:spcAft>
-                <a:spcPts val="0"/>
-              </a:spcAft>
-              <a:defRPr/>
-            </a:pPr>
-            <a:r>
-              <a:rPr lang="en-US" dirty="0"/>
-              <a:t>Behavior Driven Development, explained with </a:t>
-            </a:r>
-            <a:r>
-              <a:rPr lang="en-US" dirty="0" err="1"/>
-              <a:t>SpecFlow</a:t>
-            </a:r>
-            <a:r>
-              <a:rPr lang="en-US" dirty="0"/>
-              <a:t> and </a:t>
-            </a:r>
-            <a:r>
-              <a:rPr lang="en-US" dirty="0" err="1"/>
-              <a:t>WatiN</a:t>
-            </a:r>
-            <a:r>
-              <a:rPr lang="en-US" dirty="0"/>
-              <a:t> (ASP.NET MVC, but nicely explains the workflow and theory too): </a:t>
-            </a:r>
-            <a:r>
-              <a:rPr lang="en-US" dirty="0" smtClean="0"/>
+              <a:t>/</a:t>
+            </a:r>
+            <a:endParaRPr lang="en-US" sz="1800" dirty="0"/>
+          </a:p>
+          <a:p>
+            <a:pPr>
+              <a:defRPr/>
+            </a:pPr>
+            <a:r>
+              <a:rPr lang="en-US" sz="1800" dirty="0" smtClean="0"/>
+              <a:t>Unit testing reports converter</a:t>
+            </a:r>
+            <a:r>
+              <a:rPr lang="en-US" sz="1800" dirty="0" smtClean="0"/>
               <a:t/>
             </a:r>
             <a:br>
-              <a:rPr lang="en-US" dirty="0" smtClean="0"/>
+              <a:rPr lang="en-US" sz="1800" dirty="0" smtClean="0"/>
             </a:br>
             <a:r>
-              <a:rPr lang="en-US" u="sng" dirty="0" smtClean="0">
+              <a:rPr lang="en-US" sz="1800" dirty="0" smtClean="0"/>
+              <a:t> </a:t>
+            </a:r>
+            <a:r>
+              <a:rPr lang="en-US" sz="1800" u="sng" dirty="0" smtClean="0">
                 <a:hlinkClick r:id="rId5"/>
               </a:rPr>
-              <a:t>http</a:t>
-            </a:r>
-            <a:r>
-              <a:rPr lang="en-US" u="sng" dirty="0">
+              <a:t>http://trx2html.codeplex.com</a:t>
+            </a:r>
+            <a:r>
+              <a:rPr lang="en-US" sz="1800" u="sng" dirty="0" smtClean="0">
                 <a:hlinkClick r:id="rId5"/>
               </a:rPr>
-              <a:t>://msdn.microsoft.com/en-us/magazine/gg490346.aspx</a:t>
-            </a:r>
-            <a:endParaRPr lang="en-US" dirty="0"/>
-          </a:p>
-          <a:p>
-            <a:pPr fontAlgn="auto">
-              <a:spcAft>
-                <a:spcPts val="0"/>
-              </a:spcAft>
-              <a:defRPr/>
-            </a:pPr>
-            <a:r>
-              <a:rPr lang="en-US" dirty="0" err="1"/>
-              <a:t>SpecFlow</a:t>
-            </a:r>
-            <a:r>
-              <a:rPr lang="en-US" dirty="0"/>
-              <a:t>: </a:t>
-            </a:r>
-            <a:r>
-              <a:rPr lang="en-US" u="sng" dirty="0">
+              <a:t>/</a:t>
+            </a:r>
+            <a:endParaRPr lang="en-US" sz="1800" u="sng" dirty="0" smtClean="0"/>
+          </a:p>
+          <a:p>
+            <a:pPr>
+              <a:defRPr/>
+            </a:pPr>
+            <a:r>
+              <a:rPr lang="en-US" sz="1800" dirty="0" smtClean="0"/>
+              <a:t>Unit testing </a:t>
+            </a:r>
+            <a:r>
+              <a:rPr lang="en-US" sz="1800" dirty="0" smtClean="0"/>
+              <a:t>Windows Phone Testing Framework</a:t>
+            </a:r>
+            <a:r>
+              <a:rPr lang="en-US" sz="1800" dirty="0" smtClean="0"/>
+              <a:t/>
+            </a:r>
+            <a:br>
+              <a:rPr lang="en-US" sz="1800" dirty="0" smtClean="0"/>
+            </a:br>
+            <a:r>
+              <a:rPr lang="en-US" sz="1800" u="sng" dirty="0" smtClean="0">
                 <a:hlinkClick r:id="rId6"/>
               </a:rPr>
-              <a:t>http://specflow.org/specflow/getting-started.aspx</a:t>
-            </a:r>
-            <a:endParaRPr lang="en-US" dirty="0"/>
-          </a:p>
-          <a:p>
-            <a:pPr fontAlgn="auto">
-              <a:spcAft>
-                <a:spcPts val="0"/>
-              </a:spcAft>
-              <a:defRPr/>
-            </a:pPr>
-            <a:r>
-              <a:rPr lang="en-US" dirty="0"/>
-              <a:t>A quick introduction to the Gherkin language: </a:t>
-            </a:r>
-            <a:r>
-              <a:rPr lang="en-US" dirty="0" smtClean="0"/>
-              <a:t/>
+              <a:t>https</a:t>
+            </a:r>
+            <a:r>
+              <a:rPr lang="en-US" sz="1800" u="sng" dirty="0" smtClean="0">
+                <a:hlinkClick r:id="rId6"/>
+              </a:rPr>
+              <a:t>://</a:t>
+            </a:r>
+            <a:r>
+              <a:rPr lang="en-US" sz="1800" u="sng" dirty="0" smtClean="0">
+                <a:hlinkClick r:id="rId6"/>
+              </a:rPr>
+              <a:t>github.com/Expensify/WindowsPhoneTestFramework</a:t>
+            </a:r>
+            <a:endParaRPr lang="en-US" dirty="0" smtClean="0"/>
+          </a:p>
+          <a:p>
+            <a:pPr>
+              <a:defRPr/>
+            </a:pPr>
+            <a:r>
+              <a:rPr lang="en-US" sz="1800" dirty="0" smtClean="0"/>
+              <a:t>Unit testing Windows Phone Testing Framework</a:t>
             </a:r>
             <a:br>
-              <a:rPr lang="en-US" dirty="0" smtClean="0"/>
+              <a:rPr lang="en-US" sz="1800" dirty="0" smtClean="0"/>
             </a:br>
             <a:r>
-              <a:rPr lang="en-US" u="sng" dirty="0" smtClean="0">
-                <a:hlinkClick r:id="rId7"/>
-              </a:rPr>
-              <a:t>https</a:t>
-            </a:r>
-            <a:r>
-              <a:rPr lang="en-US" u="sng" dirty="0">
-                <a:hlinkClick r:id="rId7"/>
-              </a:rPr>
-              <a:t>://github.com/cucumber/cucumber/wiki/Gherkin</a:t>
-            </a:r>
-            <a:endParaRPr lang="en-US" dirty="0"/>
-          </a:p>
-          <a:p>
-            <a:pPr fontAlgn="auto">
-              <a:spcAft>
-                <a:spcPts val="0"/>
-              </a:spcAft>
-              <a:defRPr/>
-            </a:pPr>
-            <a:r>
-              <a:rPr lang="en-US" dirty="0"/>
-              <a:t>An explanation of the semantics behind Given-When-Then(-And-But): </a:t>
-            </a:r>
-            <a:r>
-              <a:rPr lang="en-US" u="sng" dirty="0">
-                <a:hlinkClick r:id="rId8"/>
-              </a:rPr>
-              <a:t>https://github.com/cucumber/cucumber/wiki/Given-When-Then</a:t>
-            </a:r>
-            <a:endParaRPr lang="en-US" dirty="0"/>
-          </a:p>
-          <a:p>
-            <a:pPr fontAlgn="auto">
-              <a:spcAft>
-                <a:spcPts val="0"/>
-              </a:spcAft>
-              <a:defRPr/>
-            </a:pPr>
-            <a:r>
-              <a:rPr lang="en-US" dirty="0"/>
-              <a:t>The Windows Phone Test Framework by Stuart Lodge: </a:t>
-            </a:r>
-            <a:r>
-              <a:rPr lang="en-US" u="sng" dirty="0">
-                <a:hlinkClick r:id="rId9"/>
+              <a:rPr lang="en-US" sz="1800" u="sng" dirty="0" smtClean="0">
+                <a:hlinkClick r:id="rId6"/>
               </a:rPr>
               <a:t>https://</a:t>
             </a:r>
             <a:r>
-              <a:rPr lang="en-US" u="sng" dirty="0" smtClean="0">
-                <a:hlinkClick r:id="rId9"/>
+              <a:rPr lang="en-US" sz="1800" u="sng" dirty="0" smtClean="0">
+                <a:hlinkClick r:id="rId6"/>
               </a:rPr>
               <a:t>github.com/Expensify/WindowsPhoneTestFramework</a:t>
             </a:r>
-            <a:endParaRPr lang="en-US" dirty="0"/>
-          </a:p>
-          <a:p>
-            <a:pPr marL="0" indent="0" fontAlgn="auto">
-              <a:spcAft>
-                <a:spcPts val="0"/>
-              </a:spcAft>
-              <a:buFont typeface="Arial" pitchFamily="34" charset="0"/>
-              <a:buNone/>
-              <a:defRPr/>
-            </a:pPr>
-            <a:endParaRPr lang="en-US" dirty="0" smtClean="0"/>
-          </a:p>
-          <a:p>
-            <a:pPr marL="0" indent="0" fontAlgn="auto">
-              <a:spcAft>
-                <a:spcPts val="0"/>
-              </a:spcAft>
-              <a:buFont typeface="Arial" pitchFamily="34" charset="0"/>
-              <a:buNone/>
-              <a:defRPr/>
-            </a:pPr>
-            <a:r>
-              <a:rPr lang="en-US" b="1" dirty="0" smtClean="0"/>
-              <a:t>Unit </a:t>
-            </a:r>
-            <a:r>
-              <a:rPr lang="en-US" b="1" dirty="0"/>
-              <a:t>testing in </a:t>
-            </a:r>
-            <a:r>
-              <a:rPr lang="en-US" b="1" dirty="0" smtClean="0"/>
-              <a:t>general</a:t>
-            </a:r>
-            <a:endParaRPr lang="en-US" b="1" dirty="0"/>
-          </a:p>
-          <a:p>
-            <a:pPr fontAlgn="auto">
-              <a:spcAft>
-                <a:spcPts val="0"/>
-              </a:spcAft>
-              <a:defRPr/>
-            </a:pPr>
-            <a:r>
-              <a:rPr lang="en-US" dirty="0"/>
-              <a:t>Roy </a:t>
-            </a:r>
-            <a:r>
-              <a:rPr lang="en-US" dirty="0" err="1"/>
-              <a:t>Osherove</a:t>
-            </a:r>
-            <a:r>
-              <a:rPr lang="en-US" dirty="0"/>
-              <a:t> on Unit Testing best practices: </a:t>
-            </a:r>
-            <a:r>
-              <a:rPr lang="en-US" dirty="0" smtClean="0"/>
+            <a:endParaRPr lang="en-US" sz="1800" u="sng" dirty="0" smtClean="0"/>
+          </a:p>
+          <a:p>
+            <a:pPr>
+              <a:defRPr/>
+            </a:pPr>
+            <a:r>
+              <a:rPr lang="en-US" sz="1800" dirty="0" err="1" smtClean="0"/>
+              <a:t>SpecFlow</a:t>
+            </a:r>
+            <a:r>
+              <a:rPr lang="en-US" sz="1800" dirty="0" smtClean="0"/>
               <a:t/>
             </a:r>
             <a:br>
-              <a:rPr lang="en-US" dirty="0" smtClean="0"/>
+              <a:rPr lang="en-US" sz="1800" dirty="0" smtClean="0"/>
             </a:br>
             <a:r>
-              <a:rPr lang="en-US" u="sng" dirty="0" smtClean="0">
-                <a:hlinkClick r:id="rId10"/>
+              <a:rPr lang="en-US" sz="1800" u="sng" dirty="0" smtClean="0"/>
+              <a:t>http://</a:t>
+            </a:r>
+            <a:r>
+              <a:rPr lang="en-US" sz="1800" u="sng" dirty="0" smtClean="0"/>
+              <a:t>www.specflow.org</a:t>
+            </a:r>
+            <a:endParaRPr lang="en-US" sz="1800" dirty="0" smtClean="0"/>
+          </a:p>
+          <a:p>
+            <a:pPr>
+              <a:defRPr/>
+            </a:pPr>
+            <a:r>
+              <a:rPr lang="ru-RU" sz="1800" dirty="0" smtClean="0"/>
+              <a:t>Материалы презентации</a:t>
+            </a:r>
+            <a:r>
+              <a:rPr lang="en-US" sz="1800" dirty="0" smtClean="0"/>
+              <a:t/>
+            </a:r>
+            <a:br>
+              <a:rPr lang="en-US" sz="1800" dirty="0" smtClean="0"/>
+            </a:br>
+            <a:r>
+              <a:rPr lang="en-US" sz="1800" u="sng" dirty="0" smtClean="0">
+                <a:hlinkClick r:id="rId6"/>
               </a:rPr>
-              <a:t>http</a:t>
-            </a:r>
-            <a:r>
-              <a:rPr lang="en-US" u="sng" dirty="0">
-                <a:hlinkClick r:id="rId10"/>
-              </a:rPr>
-              <a:t>://osherove.com/videos/2009/8/25/unit-testing-best-practices.html</a:t>
-            </a:r>
-            <a:endParaRPr lang="en-US" dirty="0"/>
-          </a:p>
-          <a:p>
-            <a:pPr marL="0" indent="0" fontAlgn="auto">
-              <a:spcAft>
-                <a:spcPts val="0"/>
-              </a:spcAft>
-              <a:buFont typeface="Arial" pitchFamily="34" charset="0"/>
-              <a:buNone/>
-              <a:defRPr/>
-            </a:pPr>
-            <a:endParaRPr lang="de-DE" dirty="0" smtClean="0"/>
+              <a:t>https://github.com/lubushyn/mddayua2012</a:t>
+            </a:r>
+          </a:p>
+          <a:p>
+            <a:pPr>
+              <a:defRPr/>
+            </a:pPr>
+            <a:endParaRPr lang="en-US" sz="1800" u="sng" dirty="0" smtClean="0"/>
+          </a:p>
+          <a:p>
+            <a:pPr>
+              <a:defRPr/>
+            </a:pPr>
+            <a:endParaRPr lang="en-US" sz="1800" u="sng" dirty="0" smtClean="0"/>
           </a:p>
         </p:txBody>
       </p:sp>
@@ -7883,13 +7485,12 @@
             <a:pPr>
               <a:defRPr/>
             </a:pPr>
-            <a:fld id="{4A4D3B11-08B7-4AAD-9A61-815CAE0A7A5B}" type="slidenum">
-              <a:rPr lang="en-GB"/>
-              <a:pPr>
-                <a:defRPr/>
-              </a:pPr>
-              <a:t>8</a:t>
-            </a:fld>
+            <a:endParaRPr lang="en-GB" dirty="0" smtClean="0"/>
+          </a:p>
+          <a:p>
+            <a:pPr>
+              <a:defRPr/>
+            </a:pPr>
             <a:endParaRPr lang="en-GB" dirty="0"/>
           </a:p>
         </p:txBody>
@@ -7910,9 +7511,10 @@
           <a:lstStyle/>
           <a:p>
             <a:r>
-              <a:rPr lang="de-DE" smtClean="0"/>
-              <a:t>Resources</a:t>
-            </a:r>
+              <a:rPr lang="ru-RU" dirty="0" smtClean="0"/>
+              <a:t>Ресурсы</a:t>
+            </a:r>
+            <a:endParaRPr lang="de-DE" dirty="0" smtClean="0"/>
           </a:p>
         </p:txBody>
       </p:sp>
@@ -7973,7 +7575,7 @@
               </a:pPr>
               <a:t>9</a:t>
             </a:fld>
-            <a:endParaRPr lang="en-GB"/>
+            <a:endParaRPr lang="en-GB" dirty="0"/>
           </a:p>
         </p:txBody>
       </p:sp>
@@ -7998,9 +7600,10 @@
           <a:lstStyle/>
           <a:p>
             <a:r>
-              <a:rPr lang="de-DE" smtClean="0"/>
-              <a:t>Q&amp;A</a:t>
-            </a:r>
+              <a:rPr lang="ru-RU" dirty="0" smtClean="0"/>
+              <a:t>Вопросы и ответы</a:t>
+            </a:r>
+            <a:endParaRPr lang="de-DE" dirty="0" smtClean="0"/>
           </a:p>
         </p:txBody>
       </p:sp>

--- a/Presentation/WP7_UnitTesting_Tips_And_Tricks.pptx
+++ b/Presentation/WP7_UnitTesting_Tips_And_Tricks.pptx
@@ -5869,11 +5869,15 @@
           <a:p>
             <a:r>
               <a:rPr lang="ru-RU" dirty="0" smtClean="0"/>
-              <a:t>Спасибо за внимание</a:t>
-            </a:r>
-            <a:r>
-              <a:rPr lang="en-US" dirty="0" smtClean="0"/>
-              <a:t>.</a:t>
+              <a:t>Спасибо </a:t>
+            </a:r>
+            <a:r>
+              <a:rPr lang="ru-RU" smtClean="0"/>
+              <a:t>за </a:t>
+            </a:r>
+            <a:r>
+              <a:rPr lang="ru-RU" smtClean="0"/>
+              <a:t>внимание</a:t>
             </a:r>
             <a:endParaRPr lang="en-US" dirty="0" smtClean="0"/>
           </a:p>
@@ -6131,11 +6135,7 @@
             </a:pPr>
             <a:r>
               <a:rPr lang="ru-RU" dirty="0" smtClean="0"/>
-              <a:t>Создание юнит </a:t>
-            </a:r>
-            <a:r>
-              <a:rPr lang="ru-RU" dirty="0" smtClean="0"/>
-              <a:t>тестов</a:t>
+              <a:t>Создание юнит тестов</a:t>
             </a:r>
             <a:endParaRPr lang="en-US" dirty="0" smtClean="0"/>
           </a:p>
@@ -6167,7 +6167,6 @@
               <a:rPr lang="en-US" dirty="0" smtClean="0"/>
               <a:t>BDD</a:t>
             </a:r>
-            <a:endParaRPr lang="en-US" dirty="0" smtClean="0"/>
           </a:p>
           <a:p>
             <a:pPr fontAlgn="auto">
@@ -6178,15 +6177,7 @@
             </a:pPr>
             <a:r>
               <a:rPr lang="ru-RU" dirty="0" smtClean="0"/>
-              <a:t>Вопросы и </a:t>
-            </a:r>
-            <a:r>
-              <a:rPr lang="ru-RU" dirty="0" smtClean="0"/>
-              <a:t>о</a:t>
-            </a:r>
-            <a:r>
-              <a:rPr lang="ru-RU" dirty="0" smtClean="0"/>
-              <a:t>тветы</a:t>
+              <a:t>Вопросы и ответы</a:t>
             </a:r>
             <a:endParaRPr lang="en-US" dirty="0"/>
           </a:p>
@@ -6499,7 +6490,15 @@
           <a:p>
             <a:r>
               <a:rPr lang="ru-RU" dirty="0" smtClean="0"/>
-              <a:t>Юнит тестирования</a:t>
+              <a:t>Юнит </a:t>
+            </a:r>
+            <a:r>
+              <a:rPr lang="ru-RU" dirty="0" smtClean="0"/>
+              <a:t>тестировани</a:t>
+            </a:r>
+            <a:r>
+              <a:rPr lang="ru-RU" dirty="0" smtClean="0"/>
+              <a:t>е</a:t>
             </a:r>
             <a:r>
               <a:rPr lang="de-DE" dirty="0" smtClean="0"/>
@@ -6574,7 +6573,6 @@
               <a:rPr lang="de-DE" dirty="0" smtClean="0"/>
               <a:t>:</a:t>
             </a:r>
-            <a:endParaRPr lang="de-DE" dirty="0" smtClean="0"/>
           </a:p>
           <a:p>
             <a:pPr lvl="1"/>
@@ -6595,8 +6593,8 @@
           <a:p>
             <a:pPr lvl="1"/>
             <a:r>
-              <a:rPr lang="ru-RU" dirty="0" smtClean="0"/>
-              <a:t>Само проверяемыми</a:t>
+              <a:rPr lang="ru-RU" dirty="0" err="1" smtClean="0"/>
+              <a:t>Самопроверяемыми</a:t>
             </a:r>
             <a:endParaRPr lang="de-DE" dirty="0" smtClean="0"/>
           </a:p>
@@ -6674,11 +6672,7 @@
             </a:r>
             <a:r>
               <a:rPr lang="de-DE" dirty="0" smtClean="0"/>
-              <a:t> </a:t>
-            </a:r>
-            <a:r>
-              <a:rPr lang="de-DE" dirty="0" smtClean="0"/>
-              <a:t>(2)</a:t>
+              <a:t> (2)</a:t>
             </a:r>
           </a:p>
         </p:txBody>
@@ -6879,11 +6873,7 @@
             </a:pPr>
             <a:r>
               <a:rPr lang="en-US" b="1" dirty="0" smtClean="0"/>
-              <a:t>Mocking/Isolation</a:t>
-            </a:r>
-            <a:r>
-              <a:rPr lang="en-US" b="1" dirty="0" smtClean="0"/>
-              <a:t>:</a:t>
+              <a:t>Mocking/Isolation:</a:t>
             </a:r>
             <a:r>
               <a:rPr lang="en-US" dirty="0" smtClean="0"/>
@@ -6895,11 +6885,11 @@
             </a:r>
             <a:r>
               <a:rPr lang="ru-RU" dirty="0" smtClean="0"/>
-              <a:t>н</a:t>
+              <a:t>недоступны </a:t>
             </a:r>
             <a:r>
               <a:rPr lang="ru-RU" dirty="0" smtClean="0"/>
-              <a:t>е доступны в данный момент. Дополнительное ручное кодирование или альтернативные подходы</a:t>
+              <a:t>в данный момент. Дополнительное ручное кодирование или альтернативные подходы</a:t>
             </a:r>
             <a:endParaRPr lang="en-US" dirty="0"/>
           </a:p>
@@ -7214,10 +7204,6 @@
               <a:rPr lang="en-US" sz="1800" dirty="0" smtClean="0"/>
               <a:t>Silverlight Toolkit: </a:t>
             </a:r>
-            <a:r>
-              <a:rPr lang="en-US" sz="1800" dirty="0" smtClean="0"/>
-              <a:t/>
-            </a:r>
             <a:br>
               <a:rPr lang="en-US" sz="1800" dirty="0" smtClean="0"/>
             </a:br>
@@ -7235,19 +7221,7 @@
             </a:pPr>
             <a:r>
               <a:rPr lang="en-US" sz="1800" dirty="0" smtClean="0"/>
-              <a:t>Windows Phone 7 Continuous Integration </a:t>
-            </a:r>
-            <a:r>
-              <a:rPr lang="en-US" sz="1800" dirty="0" smtClean="0"/>
-              <a:t>T</a:t>
-            </a:r>
-            <a:r>
-              <a:rPr lang="en-US" sz="1800" dirty="0" smtClean="0"/>
-              <a:t>esting framework</a:t>
-            </a:r>
-            <a:r>
-              <a:rPr lang="en-US" sz="1800" dirty="0" smtClean="0"/>
-              <a:t/>
+              <a:t>Windows Phone 7 Continuous Integration Testing framework</a:t>
             </a:r>
             <a:br>
               <a:rPr lang="en-US" sz="1800" dirty="0" smtClean="0"/>
@@ -7260,13 +7234,7 @@
               <a:rPr lang="en-US" sz="1800" dirty="0" smtClean="0">
                 <a:hlinkClick r:id="rId3"/>
               </a:rPr>
-              <a:t>http://</a:t>
-            </a:r>
-            <a:r>
-              <a:rPr lang="en-US" sz="1800" dirty="0" smtClean="0">
-                <a:hlinkClick r:id="rId3"/>
-              </a:rPr>
-              <a:t>wp7ci.codeplex.com</a:t>
+              <a:t>http://wp7ci.codeplex.com</a:t>
             </a:r>
             <a:r>
               <a:rPr lang="en-US" sz="1800" u="sng" dirty="0" smtClean="0">
@@ -7284,10 +7252,6 @@
               <a:rPr lang="en-US" sz="1800" dirty="0" smtClean="0"/>
               <a:t>Mocking library with Silverlight compatibility</a:t>
             </a:r>
-            <a:r>
-              <a:rPr lang="en-US" sz="1800" dirty="0" smtClean="0"/>
-              <a:t/>
-            </a:r>
             <a:br>
               <a:rPr lang="en-US" sz="1800" dirty="0" smtClean="0"/>
             </a:br>
@@ -7299,13 +7263,7 @@
               <a:rPr lang="en-US" sz="1800" dirty="0" smtClean="0">
                 <a:hlinkClick r:id="rId4"/>
               </a:rPr>
-              <a:t>http://code.google.com/p/moq</a:t>
-            </a:r>
-            <a:r>
-              <a:rPr lang="en-US" sz="1800" dirty="0" smtClean="0">
-                <a:hlinkClick r:id="rId4"/>
-              </a:rPr>
-              <a:t>/</a:t>
+              <a:t>http://code.google.com/p/moq/</a:t>
             </a:r>
             <a:endParaRPr lang="en-US" sz="1800" dirty="0"/>
           </a:p>
@@ -7316,10 +7274,6 @@
             <a:r>
               <a:rPr lang="en-US" sz="1800" dirty="0" smtClean="0"/>
               <a:t>Unit testing reports converter</a:t>
-            </a:r>
-            <a:r>
-              <a:rPr lang="en-US" sz="1800" dirty="0" smtClean="0"/>
-              <a:t/>
             </a:r>
             <a:br>
               <a:rPr lang="en-US" sz="1800" dirty="0" smtClean="0"/>
@@ -7332,13 +7286,7 @@
               <a:rPr lang="en-US" sz="1800" u="sng" dirty="0" smtClean="0">
                 <a:hlinkClick r:id="rId5"/>
               </a:rPr>
-              <a:t>http://trx2html.codeplex.com</a:t>
-            </a:r>
-            <a:r>
-              <a:rPr lang="en-US" sz="1800" u="sng" dirty="0" smtClean="0">
-                <a:hlinkClick r:id="rId5"/>
-              </a:rPr>
-              <a:t>/</a:t>
+              <a:t>http://trx2html.codeplex.com/</a:t>
             </a:r>
             <a:endParaRPr lang="en-US" sz="1800" u="sng" dirty="0" smtClean="0"/>
           </a:p>
@@ -7348,15 +7296,7 @@
             </a:pPr>
             <a:r>
               <a:rPr lang="en-US" sz="1800" dirty="0" smtClean="0"/>
-              <a:t>Unit testing </a:t>
-            </a:r>
-            <a:r>
-              <a:rPr lang="en-US" sz="1800" dirty="0" smtClean="0"/>
-              <a:t>Windows Phone Testing Framework</a:t>
-            </a:r>
-            <a:r>
-              <a:rPr lang="en-US" sz="1800" dirty="0" smtClean="0"/>
-              <a:t/>
+              <a:t>Unit testing Windows Phone Testing Framework</a:t>
             </a:r>
             <a:br>
               <a:rPr lang="en-US" sz="1800" dirty="0" smtClean="0"/>
@@ -7365,69 +7305,47 @@
               <a:rPr lang="en-US" sz="1800" u="sng" dirty="0" smtClean="0">
                 <a:hlinkClick r:id="rId6"/>
               </a:rPr>
-              <a:t>https</a:t>
-            </a:r>
+              <a:t>https://github.com/Expensify/WindowsPhoneTestFramework</a:t>
+            </a:r>
+            <a:endParaRPr lang="en-US" dirty="0" smtClean="0"/>
+          </a:p>
+          <a:p>
+            <a:pPr>
+              <a:defRPr/>
+            </a:pPr>
+            <a:r>
+              <a:rPr lang="en-US" sz="1800" dirty="0" smtClean="0"/>
+              <a:t>Unit testing Windows Phone Testing Framework</a:t>
+            </a:r>
+            <a:br>
+              <a:rPr lang="en-US" sz="1800" dirty="0" smtClean="0"/>
+            </a:br>
             <a:r>
               <a:rPr lang="en-US" sz="1800" u="sng" dirty="0" smtClean="0">
                 <a:hlinkClick r:id="rId6"/>
               </a:rPr>
-              <a:t>://</a:t>
-            </a:r>
-            <a:r>
-              <a:rPr lang="en-US" sz="1800" u="sng" dirty="0" smtClean="0">
-                <a:hlinkClick r:id="rId6"/>
-              </a:rPr>
-              <a:t>github.com/Expensify/WindowsPhoneTestFramework</a:t>
-            </a:r>
-            <a:endParaRPr lang="en-US" dirty="0" smtClean="0"/>
+              <a:t>https://github.com/Expensify/WindowsPhoneTestFramework</a:t>
+            </a:r>
+            <a:endParaRPr lang="en-US" sz="1800" u="sng" dirty="0" smtClean="0"/>
           </a:p>
           <a:p>
             <a:pPr>
               <a:defRPr/>
             </a:pPr>
             <a:r>
+              <a:rPr lang="en-US" sz="1800" dirty="0" err="1" smtClean="0"/>
+              <a:t>SpecFlow</a:t>
+            </a:r>
+            <a:r>
               <a:rPr lang="en-US" sz="1800" dirty="0" smtClean="0"/>
-              <a:t>Unit testing Windows Phone Testing Framework</a:t>
+              <a:t/>
             </a:r>
             <a:br>
               <a:rPr lang="en-US" sz="1800" dirty="0" smtClean="0"/>
             </a:br>
             <a:r>
-              <a:rPr lang="en-US" sz="1800" u="sng" dirty="0" smtClean="0">
-                <a:hlinkClick r:id="rId6"/>
-              </a:rPr>
-              <a:t>https://</a:t>
-            </a:r>
-            <a:r>
-              <a:rPr lang="en-US" sz="1800" u="sng" dirty="0" smtClean="0">
-                <a:hlinkClick r:id="rId6"/>
-              </a:rPr>
-              <a:t>github.com/Expensify/WindowsPhoneTestFramework</a:t>
-            </a:r>
-            <a:endParaRPr lang="en-US" sz="1800" u="sng" dirty="0" smtClean="0"/>
-          </a:p>
-          <a:p>
-            <a:pPr>
-              <a:defRPr/>
-            </a:pPr>
-            <a:r>
-              <a:rPr lang="en-US" sz="1800" dirty="0" err="1" smtClean="0"/>
-              <a:t>SpecFlow</a:t>
-            </a:r>
-            <a:r>
-              <a:rPr lang="en-US" sz="1800" dirty="0" smtClean="0"/>
-              <a:t/>
-            </a:r>
-            <a:br>
-              <a:rPr lang="en-US" sz="1800" dirty="0" smtClean="0"/>
-            </a:br>
-            <a:r>
               <a:rPr lang="en-US" sz="1800" u="sng" dirty="0" smtClean="0"/>
-              <a:t>http://</a:t>
-            </a:r>
-            <a:r>
-              <a:rPr lang="en-US" sz="1800" u="sng" dirty="0" smtClean="0"/>
-              <a:t>www.specflow.org</a:t>
+              <a:t>http://www.specflow.org</a:t>
             </a:r>
             <a:endParaRPr lang="en-US" sz="1800" dirty="0" smtClean="0"/>
           </a:p>
